--- a/webapp_API/flask.pptx
+++ b/webapp_API/flask.pptx
@@ -104,6 +104,11 @@
       </a:defRPr>
     </a:lvl9pPr>
   </p:defaultTextStyle>
+  <p:extLst>
+    <p:ext uri="{EFAFB233-063F-42B5-8137-9DF3F51BA10A}">
+      <p15:sldGuideLst xmlns:p15="http://schemas.microsoft.com/office/powerpoint/2012/main"/>
+    </p:ext>
+  </p:extLst>
 </p:presentation>
 </file>
 
@@ -254,7 +259,7 @@
           <a:p>
             <a:fld id="{99E66E1E-6CE2-4018-AFE7-3AEF0360B8C2}" type="datetimeFigureOut">
               <a:rPr lang="fr-FR" smtClean="0"/>
-              <a:t>06/06/2024</a:t>
+              <a:t>07/06/2024</a:t>
             </a:fld>
             <a:endParaRPr lang="fr-FR"/>
           </a:p>
@@ -452,7 +457,7 @@
           <a:p>
             <a:fld id="{99E66E1E-6CE2-4018-AFE7-3AEF0360B8C2}" type="datetimeFigureOut">
               <a:rPr lang="fr-FR" smtClean="0"/>
-              <a:t>06/06/2024</a:t>
+              <a:t>07/06/2024</a:t>
             </a:fld>
             <a:endParaRPr lang="fr-FR"/>
           </a:p>
@@ -660,7 +665,7 @@
           <a:p>
             <a:fld id="{99E66E1E-6CE2-4018-AFE7-3AEF0360B8C2}" type="datetimeFigureOut">
               <a:rPr lang="fr-FR" smtClean="0"/>
-              <a:t>06/06/2024</a:t>
+              <a:t>07/06/2024</a:t>
             </a:fld>
             <a:endParaRPr lang="fr-FR"/>
           </a:p>
@@ -858,7 +863,7 @@
           <a:p>
             <a:fld id="{99E66E1E-6CE2-4018-AFE7-3AEF0360B8C2}" type="datetimeFigureOut">
               <a:rPr lang="fr-FR" smtClean="0"/>
-              <a:t>06/06/2024</a:t>
+              <a:t>07/06/2024</a:t>
             </a:fld>
             <a:endParaRPr lang="fr-FR"/>
           </a:p>
@@ -1133,7 +1138,7 @@
           <a:p>
             <a:fld id="{99E66E1E-6CE2-4018-AFE7-3AEF0360B8C2}" type="datetimeFigureOut">
               <a:rPr lang="fr-FR" smtClean="0"/>
-              <a:t>06/06/2024</a:t>
+              <a:t>07/06/2024</a:t>
             </a:fld>
             <a:endParaRPr lang="fr-FR"/>
           </a:p>
@@ -1398,7 +1403,7 @@
           <a:p>
             <a:fld id="{99E66E1E-6CE2-4018-AFE7-3AEF0360B8C2}" type="datetimeFigureOut">
               <a:rPr lang="fr-FR" smtClean="0"/>
-              <a:t>06/06/2024</a:t>
+              <a:t>07/06/2024</a:t>
             </a:fld>
             <a:endParaRPr lang="fr-FR"/>
           </a:p>
@@ -1810,7 +1815,7 @@
           <a:p>
             <a:fld id="{99E66E1E-6CE2-4018-AFE7-3AEF0360B8C2}" type="datetimeFigureOut">
               <a:rPr lang="fr-FR" smtClean="0"/>
-              <a:t>06/06/2024</a:t>
+              <a:t>07/06/2024</a:t>
             </a:fld>
             <a:endParaRPr lang="fr-FR"/>
           </a:p>
@@ -1951,7 +1956,7 @@
           <a:p>
             <a:fld id="{99E66E1E-6CE2-4018-AFE7-3AEF0360B8C2}" type="datetimeFigureOut">
               <a:rPr lang="fr-FR" smtClean="0"/>
-              <a:t>06/06/2024</a:t>
+              <a:t>07/06/2024</a:t>
             </a:fld>
             <a:endParaRPr lang="fr-FR"/>
           </a:p>
@@ -2064,7 +2069,7 @@
           <a:p>
             <a:fld id="{99E66E1E-6CE2-4018-AFE7-3AEF0360B8C2}" type="datetimeFigureOut">
               <a:rPr lang="fr-FR" smtClean="0"/>
-              <a:t>06/06/2024</a:t>
+              <a:t>07/06/2024</a:t>
             </a:fld>
             <a:endParaRPr lang="fr-FR"/>
           </a:p>
@@ -2375,7 +2380,7 @@
           <a:p>
             <a:fld id="{99E66E1E-6CE2-4018-AFE7-3AEF0360B8C2}" type="datetimeFigureOut">
               <a:rPr lang="fr-FR" smtClean="0"/>
-              <a:t>06/06/2024</a:t>
+              <a:t>07/06/2024</a:t>
             </a:fld>
             <a:endParaRPr lang="fr-FR"/>
           </a:p>
@@ -2663,7 +2668,7 @@
           <a:p>
             <a:fld id="{99E66E1E-6CE2-4018-AFE7-3AEF0360B8C2}" type="datetimeFigureOut">
               <a:rPr lang="fr-FR" smtClean="0"/>
-              <a:t>06/06/2024</a:t>
+              <a:t>07/06/2024</a:t>
             </a:fld>
             <a:endParaRPr lang="fr-FR"/>
           </a:p>
@@ -2904,7 +2909,7 @@
           <a:p>
             <a:fld id="{99E66E1E-6CE2-4018-AFE7-3AEF0360B8C2}" type="datetimeFigureOut">
               <a:rPr lang="fr-FR" smtClean="0"/>
-              <a:t>06/06/2024</a:t>
+              <a:t>07/06/2024</a:t>
             </a:fld>
             <a:endParaRPr lang="fr-FR"/>
           </a:p>
@@ -3384,16 +3389,8 @@
               <a:buChar char="§"/>
             </a:pPr>
             <a:r>
-              <a:rPr lang="fr-FR" sz="2600" dirty="0" err="1"/>
-              <a:t>Légé</a:t>
-            </a:r>
-            <a:r>
-              <a:rPr lang="fr-FR" sz="2600" dirty="0"/>
-              <a:t> </a:t>
-            </a:r>
-            <a:r>
               <a:rPr lang="fr-FR" sz="2600"/>
-              <a:t>et performant</a:t>
+              <a:t>Léger et performant</a:t>
             </a:r>
             <a:endParaRPr lang="fr-FR" sz="2600" dirty="0"/>
           </a:p>
